--- a/Soutenance.pptx
+++ b/Soutenance.pptx
@@ -5,7 +5,7 @@
     <p:sldMasterId id="2147483660" r:id="rId1"/>
   </p:sldMasterIdLst>
   <p:handoutMasterIdLst>
-    <p:handoutMasterId r:id="rId10"/>
+    <p:handoutMasterId r:id="rId12"/>
   </p:handoutMasterIdLst>
   <p:sldIdLst>
     <p:sldId id="280" r:id="rId2"/>
@@ -15,7 +15,9 @@
     <p:sldId id="284" r:id="rId6"/>
     <p:sldId id="285" r:id="rId7"/>
     <p:sldId id="286" r:id="rId8"/>
-    <p:sldId id="287" r:id="rId9"/>
+    <p:sldId id="289" r:id="rId9"/>
+    <p:sldId id="287" r:id="rId10"/>
+    <p:sldId id="290" r:id="rId11"/>
   </p:sldIdLst>
   <p:sldSz cx="24387175" cy="13716000"/>
   <p:notesSz cx="6858000" cy="9144000"/>
@@ -218,7 +220,7 @@
           <a:p>
             <a:fld id="{52CFFC7C-0376-E44D-ACA0-D60DC10B59F7}" type="datetimeFigureOut">
               <a:rPr lang="en-US" smtClean="0"/>
-              <a:t>4/16/2020</a:t>
+              <a:t>4/17/2020</a:t>
             </a:fld>
             <a:endParaRPr lang="en-US"/>
           </a:p>
@@ -781,12 +783,12 @@
           </a:ln>
           <a:extLst>
             <a:ext uri="{909E8E84-426E-40dd-AFC4-6F175D3DCCD1}">
-              <a14:hiddenFill xmlns="" xmlns:a14="http://schemas.microsoft.com/office/drawing/2010/main">
+              <a14:hiddenFill xmlns:a14="http://schemas.microsoft.com/office/drawing/2010/main" xmlns="">
                 <a:noFill/>
               </a14:hiddenFill>
             </a:ext>
             <a:ext uri="{91240B29-F687-4f45-9708-019B960494DF}">
-              <a14:hiddenLine xmlns="" xmlns:a14="http://schemas.microsoft.com/office/drawing/2010/main" w="9525">
+              <a14:hiddenLine xmlns:a14="http://schemas.microsoft.com/office/drawing/2010/main" xmlns="" w="9525">
                 <a:solidFill>
                   <a:srgbClr val="000000"/>
                 </a:solidFill>
@@ -831,12 +833,12 @@
           </a:ln>
           <a:extLst>
             <a:ext uri="{909E8E84-426E-40dd-AFC4-6F175D3DCCD1}">
-              <a14:hiddenFill xmlns="" xmlns:a14="http://schemas.microsoft.com/office/drawing/2010/main">
+              <a14:hiddenFill xmlns:a14="http://schemas.microsoft.com/office/drawing/2010/main" xmlns="">
                 <a:noFill/>
               </a14:hiddenFill>
             </a:ext>
             <a:ext uri="{91240B29-F687-4f45-9708-019B960494DF}">
-              <a14:hiddenLine xmlns="" xmlns:a14="http://schemas.microsoft.com/office/drawing/2010/main" w="9525">
+              <a14:hiddenLine xmlns:a14="http://schemas.microsoft.com/office/drawing/2010/main" xmlns="" w="9525">
                 <a:solidFill>
                   <a:srgbClr val="000000"/>
                 </a:solidFill>
@@ -1003,6 +1005,572 @@
     <p:extLst>
       <p:ext uri="{BB962C8B-B14F-4D97-AF65-F5344CB8AC3E}">
         <p14:creationId xmlns:p14="http://schemas.microsoft.com/office/powerpoint/2010/main" val="1230769829"/>
+      </p:ext>
+    </p:extLst>
+  </p:cSld>
+  <p:clrMapOvr>
+    <a:masterClrMapping/>
+  </p:clrMapOvr>
+</p:sld>
+</file>
+
+<file path=ppt/slides/slide10.xml><?xml version="1.0" encoding="utf-8"?>
+<p:sld xmlns:a="http://schemas.openxmlformats.org/drawingml/2006/main" xmlns:r="http://schemas.openxmlformats.org/officeDocument/2006/relationships" xmlns:p="http://schemas.openxmlformats.org/presentationml/2006/main">
+  <p:cSld>
+    <p:spTree>
+      <p:nvGrpSpPr>
+        <p:cNvPr id="1" name=""/>
+        <p:cNvGrpSpPr/>
+        <p:nvPr/>
+      </p:nvGrpSpPr>
+      <p:grpSpPr>
+        <a:xfrm>
+          <a:off x="0" y="0"/>
+          <a:ext cx="0" cy="0"/>
+          <a:chOff x="0" y="0"/>
+          <a:chExt cx="0" cy="0"/>
+        </a:xfrm>
+      </p:grpSpPr>
+      <p:sp>
+        <p:nvSpPr>
+          <p:cNvPr id="3" name="ZoneTexte 2">
+            <a:extLst>
+              <a:ext uri="{FF2B5EF4-FFF2-40B4-BE49-F238E27FC236}">
+                <a16:creationId xmlns:a16="http://schemas.microsoft.com/office/drawing/2014/main" id="{168B7E97-4894-436F-9382-6A92F4014357}"/>
+              </a:ext>
+            </a:extLst>
+          </p:cNvPr>
+          <p:cNvSpPr txBox="1"/>
+          <p:nvPr/>
+        </p:nvSpPr>
+        <p:spPr>
+          <a:xfrm>
+            <a:off x="2375271" y="1113184"/>
+            <a:ext cx="17880677" cy="1046440"/>
+          </a:xfrm>
+          <a:prstGeom prst="rect">
+            <a:avLst/>
+          </a:prstGeom>
+          <a:noFill/>
+        </p:spPr>
+        <p:txBody>
+          <a:bodyPr wrap="square" rtlCol="0">
+            <a:spAutoFit/>
+          </a:bodyPr>
+          <a:lstStyle/>
+          <a:p>
+            <a:r>
+              <a:rPr lang="fr-FR" sz="6200" b="1" dirty="0">
+                <a:latin typeface="Montserrat" panose="00000500000000000000" pitchFamily="2" charset="0"/>
+              </a:rPr>
+              <a:t>V : Méthode de l’ordonnancement</a:t>
+            </a:r>
+          </a:p>
+        </p:txBody>
+      </p:sp>
+      <p:sp>
+        <p:nvSpPr>
+          <p:cNvPr id="4" name="Oval 58">
+            <a:extLst>
+              <a:ext uri="{FF2B5EF4-FFF2-40B4-BE49-F238E27FC236}">
+                <a16:creationId xmlns:a16="http://schemas.microsoft.com/office/drawing/2014/main" id="{B07BAEF7-F2F1-4129-850F-39566CB7AE7B}"/>
+              </a:ext>
+            </a:extLst>
+          </p:cNvPr>
+          <p:cNvSpPr/>
+          <p:nvPr/>
+        </p:nvSpPr>
+        <p:spPr>
+          <a:xfrm>
+            <a:off x="1673229" y="3765604"/>
+            <a:ext cx="1074332" cy="1074611"/>
+          </a:xfrm>
+          <a:prstGeom prst="ellipse">
+            <a:avLst/>
+          </a:prstGeom>
+          <a:noFill/>
+          <a:ln w="28575">
+            <a:solidFill>
+              <a:schemeClr val="tx1"/>
+            </a:solidFill>
+          </a:ln>
+        </p:spPr>
+        <p:style>
+          <a:lnRef idx="2">
+            <a:schemeClr val="accent1">
+              <a:shade val="50000"/>
+            </a:schemeClr>
+          </a:lnRef>
+          <a:fillRef idx="1">
+            <a:schemeClr val="accent1"/>
+          </a:fillRef>
+          <a:effectRef idx="0">
+            <a:schemeClr val="accent1"/>
+          </a:effectRef>
+          <a:fontRef idx="minor">
+            <a:schemeClr val="lt1"/>
+          </a:fontRef>
+        </p:style>
+        <p:txBody>
+          <a:bodyPr rtlCol="0" anchor="ctr"/>
+          <a:lstStyle/>
+          <a:p>
+            <a:pPr algn="ctr"/>
+            <a:endParaRPr lang="en-US" sz="2900" dirty="0">
+              <a:latin typeface="Montserrat Light" charset="0"/>
+              <a:ea typeface="Montserrat Light" charset="0"/>
+              <a:cs typeface="Montserrat Light" charset="0"/>
+            </a:endParaRPr>
+          </a:p>
+        </p:txBody>
+      </p:sp>
+      <p:sp>
+        <p:nvSpPr>
+          <p:cNvPr id="5" name="ZoneTexte 4">
+            <a:extLst>
+              <a:ext uri="{FF2B5EF4-FFF2-40B4-BE49-F238E27FC236}">
+                <a16:creationId xmlns:a16="http://schemas.microsoft.com/office/drawing/2014/main" id="{F680C0E6-F5ED-46B1-BB6D-14E0E90DF401}"/>
+              </a:ext>
+            </a:extLst>
+          </p:cNvPr>
+          <p:cNvSpPr txBox="1"/>
+          <p:nvPr/>
+        </p:nvSpPr>
+        <p:spPr>
+          <a:xfrm>
+            <a:off x="1827648" y="3856634"/>
+            <a:ext cx="765494" cy="892552"/>
+          </a:xfrm>
+          <a:prstGeom prst="rect">
+            <a:avLst/>
+          </a:prstGeom>
+          <a:noFill/>
+        </p:spPr>
+        <p:txBody>
+          <a:bodyPr wrap="square" rtlCol="0">
+            <a:spAutoFit/>
+          </a:bodyPr>
+          <a:lstStyle/>
+          <a:p>
+            <a:pPr algn="ctr"/>
+            <a:r>
+              <a:rPr lang="fr-FR" sz="5200" b="1" dirty="0">
+                <a:latin typeface="Montserrat" panose="00000500000000000000" pitchFamily="2" charset="0"/>
+              </a:rPr>
+              <a:t>1</a:t>
+            </a:r>
+          </a:p>
+        </p:txBody>
+      </p:sp>
+      <p:sp>
+        <p:nvSpPr>
+          <p:cNvPr id="6" name="ZoneTexte 5">
+            <a:extLst>
+              <a:ext uri="{FF2B5EF4-FFF2-40B4-BE49-F238E27FC236}">
+                <a16:creationId xmlns:a16="http://schemas.microsoft.com/office/drawing/2014/main" id="{110C598B-31D9-45EA-92EE-E3CCB76B189C}"/>
+              </a:ext>
+            </a:extLst>
+          </p:cNvPr>
+          <p:cNvSpPr txBox="1"/>
+          <p:nvPr/>
+        </p:nvSpPr>
+        <p:spPr>
+          <a:xfrm>
+            <a:off x="3813175" y="3702744"/>
+            <a:ext cx="7456472" cy="1200329"/>
+          </a:xfrm>
+          <a:prstGeom prst="rect">
+            <a:avLst/>
+          </a:prstGeom>
+          <a:noFill/>
+        </p:spPr>
+        <p:txBody>
+          <a:bodyPr wrap="square" rtlCol="0">
+            <a:spAutoFit/>
+          </a:bodyPr>
+          <a:lstStyle/>
+          <a:p>
+            <a:r>
+              <a:rPr lang="fr-FR" dirty="0">
+                <a:latin typeface="Open Sans" panose="020B0606030504020204" pitchFamily="34" charset="0"/>
+                <a:ea typeface="Open Sans" panose="020B0606030504020204" pitchFamily="34" charset="0"/>
+                <a:cs typeface="Open Sans" panose="020B0606030504020204" pitchFamily="34" charset="0"/>
+              </a:rPr>
+              <a:t>Récupération de la liste des successeurs</a:t>
+            </a:r>
+          </a:p>
+        </p:txBody>
+      </p:sp>
+      <p:sp>
+        <p:nvSpPr>
+          <p:cNvPr id="8" name="Oval 58">
+            <a:extLst>
+              <a:ext uri="{FF2B5EF4-FFF2-40B4-BE49-F238E27FC236}">
+                <a16:creationId xmlns:a16="http://schemas.microsoft.com/office/drawing/2014/main" id="{C7DDF454-155F-4E61-AFEC-FEA3F830D8B6}"/>
+              </a:ext>
+            </a:extLst>
+          </p:cNvPr>
+          <p:cNvSpPr/>
+          <p:nvPr/>
+        </p:nvSpPr>
+        <p:spPr>
+          <a:xfrm>
+            <a:off x="1653792" y="6920860"/>
+            <a:ext cx="1074332" cy="1074611"/>
+          </a:xfrm>
+          <a:prstGeom prst="ellipse">
+            <a:avLst/>
+          </a:prstGeom>
+          <a:noFill/>
+          <a:ln w="28575">
+            <a:solidFill>
+              <a:schemeClr val="tx1"/>
+            </a:solidFill>
+          </a:ln>
+        </p:spPr>
+        <p:style>
+          <a:lnRef idx="2">
+            <a:schemeClr val="accent1">
+              <a:shade val="50000"/>
+            </a:schemeClr>
+          </a:lnRef>
+          <a:fillRef idx="1">
+            <a:schemeClr val="accent1"/>
+          </a:fillRef>
+          <a:effectRef idx="0">
+            <a:schemeClr val="accent1"/>
+          </a:effectRef>
+          <a:fontRef idx="minor">
+            <a:schemeClr val="lt1"/>
+          </a:fontRef>
+        </p:style>
+        <p:txBody>
+          <a:bodyPr rtlCol="0" anchor="ctr"/>
+          <a:lstStyle/>
+          <a:p>
+            <a:pPr algn="ctr"/>
+            <a:endParaRPr lang="en-US" sz="2900" dirty="0">
+              <a:latin typeface="Montserrat Light" charset="0"/>
+              <a:ea typeface="Montserrat Light" charset="0"/>
+              <a:cs typeface="Montserrat Light" charset="0"/>
+            </a:endParaRPr>
+          </a:p>
+        </p:txBody>
+      </p:sp>
+      <p:sp>
+        <p:nvSpPr>
+          <p:cNvPr id="9" name="ZoneTexte 8">
+            <a:extLst>
+              <a:ext uri="{FF2B5EF4-FFF2-40B4-BE49-F238E27FC236}">
+                <a16:creationId xmlns:a16="http://schemas.microsoft.com/office/drawing/2014/main" id="{F4424929-5651-49E7-8B2F-63484DFC02E3}"/>
+              </a:ext>
+            </a:extLst>
+          </p:cNvPr>
+          <p:cNvSpPr txBox="1"/>
+          <p:nvPr/>
+        </p:nvSpPr>
+        <p:spPr>
+          <a:xfrm>
+            <a:off x="3813175" y="6921039"/>
+            <a:ext cx="5578475" cy="1200329"/>
+          </a:xfrm>
+          <a:prstGeom prst="rect">
+            <a:avLst/>
+          </a:prstGeom>
+          <a:noFill/>
+        </p:spPr>
+        <p:txBody>
+          <a:bodyPr wrap="square" rtlCol="0">
+            <a:spAutoFit/>
+          </a:bodyPr>
+          <a:lstStyle/>
+          <a:p>
+            <a:r>
+              <a:rPr lang="fr-FR" dirty="0">
+                <a:latin typeface="Open Sans" panose="020B0606030504020204" pitchFamily="34" charset="0"/>
+                <a:ea typeface="Open Sans" panose="020B0606030504020204" pitchFamily="34" charset="0"/>
+                <a:cs typeface="Open Sans" panose="020B0606030504020204" pitchFamily="34" charset="0"/>
+              </a:rPr>
+              <a:t>Récupération de la tâche </a:t>
+            </a:r>
+          </a:p>
+          <a:p>
+            <a:r>
+              <a:rPr lang="fr-FR" dirty="0">
+                <a:latin typeface="Open Sans" panose="020B0606030504020204" pitchFamily="34" charset="0"/>
+                <a:ea typeface="Open Sans" panose="020B0606030504020204" pitchFamily="34" charset="0"/>
+                <a:cs typeface="Open Sans" panose="020B0606030504020204" pitchFamily="34" charset="0"/>
+              </a:rPr>
+              <a:t>du sommet</a:t>
+            </a:r>
+          </a:p>
+        </p:txBody>
+      </p:sp>
+      <p:sp>
+        <p:nvSpPr>
+          <p:cNvPr id="10" name="ZoneTexte 9">
+            <a:extLst>
+              <a:ext uri="{FF2B5EF4-FFF2-40B4-BE49-F238E27FC236}">
+                <a16:creationId xmlns:a16="http://schemas.microsoft.com/office/drawing/2014/main" id="{D7B59304-604B-48E2-BDA1-4BACBADAC7DD}"/>
+              </a:ext>
+            </a:extLst>
+          </p:cNvPr>
+          <p:cNvSpPr txBox="1"/>
+          <p:nvPr/>
+        </p:nvSpPr>
+        <p:spPr>
+          <a:xfrm>
+            <a:off x="1808211" y="7011888"/>
+            <a:ext cx="765494" cy="892552"/>
+          </a:xfrm>
+          <a:prstGeom prst="rect">
+            <a:avLst/>
+          </a:prstGeom>
+          <a:noFill/>
+        </p:spPr>
+        <p:txBody>
+          <a:bodyPr wrap="square" rtlCol="0">
+            <a:spAutoFit/>
+          </a:bodyPr>
+          <a:lstStyle/>
+          <a:p>
+            <a:pPr algn="ctr"/>
+            <a:r>
+              <a:rPr lang="fr-FR" sz="5200" b="1" dirty="0">
+                <a:latin typeface="Montserrat" panose="00000500000000000000" pitchFamily="2" charset="0"/>
+              </a:rPr>
+              <a:t>2</a:t>
+            </a:r>
+          </a:p>
+        </p:txBody>
+      </p:sp>
+      <p:sp>
+        <p:nvSpPr>
+          <p:cNvPr id="13" name="Oval 58">
+            <a:extLst>
+              <a:ext uri="{FF2B5EF4-FFF2-40B4-BE49-F238E27FC236}">
+                <a16:creationId xmlns:a16="http://schemas.microsoft.com/office/drawing/2014/main" id="{E4E2DA26-AC9E-4058-9D87-0D410C6E667B}"/>
+              </a:ext>
+            </a:extLst>
+          </p:cNvPr>
+          <p:cNvSpPr/>
+          <p:nvPr/>
+        </p:nvSpPr>
+        <p:spPr>
+          <a:xfrm>
+            <a:off x="1653792" y="10141180"/>
+            <a:ext cx="1074332" cy="1074611"/>
+          </a:xfrm>
+          <a:prstGeom prst="ellipse">
+            <a:avLst/>
+          </a:prstGeom>
+          <a:noFill/>
+          <a:ln w="28575">
+            <a:solidFill>
+              <a:schemeClr val="tx1"/>
+            </a:solidFill>
+          </a:ln>
+        </p:spPr>
+        <p:style>
+          <a:lnRef idx="2">
+            <a:schemeClr val="accent1">
+              <a:shade val="50000"/>
+            </a:schemeClr>
+          </a:lnRef>
+          <a:fillRef idx="1">
+            <a:schemeClr val="accent1"/>
+          </a:fillRef>
+          <a:effectRef idx="0">
+            <a:schemeClr val="accent1"/>
+          </a:effectRef>
+          <a:fontRef idx="minor">
+            <a:schemeClr val="lt1"/>
+          </a:fontRef>
+        </p:style>
+        <p:txBody>
+          <a:bodyPr rtlCol="0" anchor="ctr"/>
+          <a:lstStyle/>
+          <a:p>
+            <a:pPr algn="ctr"/>
+            <a:endParaRPr lang="en-US" sz="2900" dirty="0">
+              <a:latin typeface="Montserrat Light" charset="0"/>
+              <a:ea typeface="Montserrat Light" charset="0"/>
+              <a:cs typeface="Montserrat Light" charset="0"/>
+            </a:endParaRPr>
+          </a:p>
+        </p:txBody>
+      </p:sp>
+      <p:sp>
+        <p:nvSpPr>
+          <p:cNvPr id="14" name="ZoneTexte 13">
+            <a:extLst>
+              <a:ext uri="{FF2B5EF4-FFF2-40B4-BE49-F238E27FC236}">
+                <a16:creationId xmlns:a16="http://schemas.microsoft.com/office/drawing/2014/main" id="{AA25CED6-68EE-4376-90A9-33B9E7C3139A}"/>
+              </a:ext>
+            </a:extLst>
+          </p:cNvPr>
+          <p:cNvSpPr txBox="1"/>
+          <p:nvPr/>
+        </p:nvSpPr>
+        <p:spPr>
+          <a:xfrm>
+            <a:off x="3813175" y="10256648"/>
+            <a:ext cx="7456472" cy="646331"/>
+          </a:xfrm>
+          <a:prstGeom prst="rect">
+            <a:avLst/>
+          </a:prstGeom>
+          <a:noFill/>
+        </p:spPr>
+        <p:txBody>
+          <a:bodyPr wrap="square" rtlCol="0">
+            <a:spAutoFit/>
+          </a:bodyPr>
+          <a:lstStyle/>
+          <a:p>
+            <a:r>
+              <a:rPr lang="fr-FR" dirty="0">
+                <a:latin typeface="Open Sans" panose="020B0606030504020204" pitchFamily="34" charset="0"/>
+                <a:ea typeface="Open Sans" panose="020B0606030504020204" pitchFamily="34" charset="0"/>
+                <a:cs typeface="Open Sans" panose="020B0606030504020204" pitchFamily="34" charset="0"/>
+              </a:rPr>
+              <a:t>Calcul de la date au plus tard</a:t>
+            </a:r>
+          </a:p>
+        </p:txBody>
+      </p:sp>
+      <p:sp>
+        <p:nvSpPr>
+          <p:cNvPr id="15" name="ZoneTexte 14">
+            <a:extLst>
+              <a:ext uri="{FF2B5EF4-FFF2-40B4-BE49-F238E27FC236}">
+                <a16:creationId xmlns:a16="http://schemas.microsoft.com/office/drawing/2014/main" id="{562304AB-0373-4B45-9908-C982A42E31E3}"/>
+              </a:ext>
+            </a:extLst>
+          </p:cNvPr>
+          <p:cNvSpPr txBox="1"/>
+          <p:nvPr/>
+        </p:nvSpPr>
+        <p:spPr>
+          <a:xfrm>
+            <a:off x="1808211" y="10232208"/>
+            <a:ext cx="765494" cy="892552"/>
+          </a:xfrm>
+          <a:prstGeom prst="rect">
+            <a:avLst/>
+          </a:prstGeom>
+          <a:noFill/>
+        </p:spPr>
+        <p:txBody>
+          <a:bodyPr wrap="square" rtlCol="0">
+            <a:spAutoFit/>
+          </a:bodyPr>
+          <a:lstStyle/>
+          <a:p>
+            <a:pPr algn="ctr"/>
+            <a:r>
+              <a:rPr lang="fr-FR" sz="5200" b="1" dirty="0">
+                <a:latin typeface="Montserrat" panose="00000500000000000000" pitchFamily="2" charset="0"/>
+              </a:rPr>
+              <a:t>3</a:t>
+            </a:r>
+          </a:p>
+        </p:txBody>
+      </p:sp>
+      <p:pic>
+        <p:nvPicPr>
+          <p:cNvPr id="2" name="Image 1">
+            <a:extLst>
+              <a:ext uri="{FF2B5EF4-FFF2-40B4-BE49-F238E27FC236}">
+                <a16:creationId xmlns:a16="http://schemas.microsoft.com/office/drawing/2014/main" id="{A911A09D-8A91-44B6-9AFC-0E2DE5A5ECFC}"/>
+              </a:ext>
+            </a:extLst>
+          </p:cNvPr>
+          <p:cNvPicPr>
+            <a:picLocks noChangeAspect="1"/>
+          </p:cNvPicPr>
+          <p:nvPr/>
+        </p:nvPicPr>
+        <p:blipFill>
+          <a:blip r:embed="rId2"/>
+          <a:stretch>
+            <a:fillRect/>
+          </a:stretch>
+        </p:blipFill>
+        <p:spPr>
+          <a:xfrm>
+            <a:off x="12518485" y="3205151"/>
+            <a:ext cx="10402901" cy="2195513"/>
+          </a:xfrm>
+          <a:prstGeom prst="rect">
+            <a:avLst/>
+          </a:prstGeom>
+        </p:spPr>
+      </p:pic>
+      <p:pic>
+        <p:nvPicPr>
+          <p:cNvPr id="12" name="Image 11">
+            <a:extLst>
+              <a:ext uri="{FF2B5EF4-FFF2-40B4-BE49-F238E27FC236}">
+                <a16:creationId xmlns:a16="http://schemas.microsoft.com/office/drawing/2014/main" id="{3411432C-1009-4E2F-B867-943AC47D6C0D}"/>
+              </a:ext>
+            </a:extLst>
+          </p:cNvPr>
+          <p:cNvPicPr>
+            <a:picLocks noChangeAspect="1"/>
+          </p:cNvPicPr>
+          <p:nvPr/>
+        </p:nvPicPr>
+        <p:blipFill>
+          <a:blip r:embed="rId3"/>
+          <a:stretch>
+            <a:fillRect/>
+          </a:stretch>
+        </p:blipFill>
+        <p:spPr>
+          <a:xfrm>
+            <a:off x="11381840" y="7164546"/>
+            <a:ext cx="12676189" cy="587236"/>
+          </a:xfrm>
+          <a:prstGeom prst="rect">
+            <a:avLst/>
+          </a:prstGeom>
+        </p:spPr>
+      </p:pic>
+      <p:pic>
+        <p:nvPicPr>
+          <p:cNvPr id="18" name="Image 17">
+            <a:extLst>
+              <a:ext uri="{FF2B5EF4-FFF2-40B4-BE49-F238E27FC236}">
+                <a16:creationId xmlns:a16="http://schemas.microsoft.com/office/drawing/2014/main" id="{CA9F0116-3EAF-4CCD-B771-9CBA119DA43E}"/>
+              </a:ext>
+            </a:extLst>
+          </p:cNvPr>
+          <p:cNvPicPr>
+            <a:picLocks noChangeAspect="1"/>
+          </p:cNvPicPr>
+          <p:nvPr/>
+        </p:nvPicPr>
+        <p:blipFill>
+          <a:blip r:embed="rId4"/>
+          <a:stretch>
+            <a:fillRect/>
+          </a:stretch>
+        </p:blipFill>
+        <p:spPr>
+          <a:xfrm>
+            <a:off x="13085872" y="8995222"/>
+            <a:ext cx="9268123" cy="3031253"/>
+          </a:xfrm>
+          <a:prstGeom prst="rect">
+            <a:avLst/>
+          </a:prstGeom>
+        </p:spPr>
+      </p:pic>
+    </p:spTree>
+    <p:extLst>
+      <p:ext uri="{BB962C8B-B14F-4D97-AF65-F5344CB8AC3E}">
+        <p14:creationId xmlns:p14="http://schemas.microsoft.com/office/powerpoint/2010/main" val="3370405227"/>
       </p:ext>
     </p:extLst>
   </p:cSld>
@@ -3133,8 +3701,8 @@
         </p:nvSpPr>
         <p:spPr>
           <a:xfrm>
-            <a:off x="2375271" y="2523612"/>
-            <a:ext cx="15139006" cy="10248960"/>
+            <a:off x="1803771" y="2523612"/>
+            <a:ext cx="15139006" cy="8894743"/>
           </a:xfrm>
           <a:prstGeom prst="rect">
             <a:avLst/>
@@ -3167,106 +3735,82 @@
               <a:rPr lang="fr-FR" sz="3800" dirty="0">
                 <a:latin typeface="Montserrat" panose="00000500000000000000" pitchFamily="2" charset="0"/>
               </a:rPr>
-              <a:t>	</a:t>
-            </a:r>
+              <a:t>Pour chaque sommet, on calcul la date au plus tôt :</a:t>
+            </a:r>
+          </a:p>
+          <a:p>
+            <a:pPr algn="just"/>
+            <a:endParaRPr lang="fr-FR" sz="3800" dirty="0">
+              <a:latin typeface="Montserrat" panose="00000500000000000000" pitchFamily="2" charset="0"/>
+            </a:endParaRPr>
+          </a:p>
+          <a:p>
+            <a:pPr algn="just"/>
+            <a:r>
+              <a:rPr lang="fr-FR" sz="3800" dirty="0">
+                <a:latin typeface="Montserrat" panose="00000500000000000000" pitchFamily="2" charset="0"/>
+              </a:rPr>
+              <a:t>	- Date au plus tôt = </a:t>
+            </a:r>
+          </a:p>
+          <a:p>
+            <a:pPr algn="just"/>
+            <a:r>
+              <a:rPr lang="fr-FR" sz="3800" dirty="0">
+                <a:latin typeface="Montserrat" panose="00000500000000000000" pitchFamily="2" charset="0"/>
+              </a:rPr>
+              <a:t>		Date au plus tôt du prédécesseur</a:t>
+            </a:r>
+          </a:p>
+          <a:p>
+            <a:pPr algn="just"/>
+            <a:r>
+              <a:rPr lang="fr-FR" sz="3800" dirty="0">
+                <a:latin typeface="Montserrat" panose="00000500000000000000" pitchFamily="2" charset="0"/>
+              </a:rPr>
+              <a:t>		+ valeur de la tache du prédécesseur</a:t>
+            </a:r>
+          </a:p>
+          <a:p>
+            <a:pPr algn="just"/>
+            <a:r>
+              <a:rPr lang="fr-FR" sz="3800" dirty="0">
+                <a:latin typeface="Montserrat" panose="00000500000000000000" pitchFamily="2" charset="0"/>
+              </a:rPr>
+              <a:t>	- Date au plus tôt retenue =</a:t>
+            </a:r>
+          </a:p>
+          <a:p>
+            <a:pPr algn="just"/>
+            <a:r>
+              <a:rPr lang="fr-FR" sz="3800" dirty="0">
+                <a:latin typeface="Montserrat" panose="00000500000000000000" pitchFamily="2" charset="0"/>
+              </a:rPr>
+              <a:t>		Date au plus tôt la plus grande parmi toutes </a:t>
+            </a:r>
+          </a:p>
+          <a:p>
+            <a:pPr algn="just"/>
+            <a:r>
+              <a:rPr lang="fr-FR" sz="3800" dirty="0">
+                <a:latin typeface="Montserrat" panose="00000500000000000000" pitchFamily="2" charset="0"/>
+              </a:rPr>
+              <a:t>		les dates au plus tôt calculées</a:t>
+            </a:r>
+          </a:p>
+          <a:p>
+            <a:pPr algn="just"/>
+            <a:endParaRPr lang="fr-FR" sz="3800" dirty="0">
+              <a:latin typeface="Montserrat" panose="00000500000000000000" pitchFamily="2" charset="0"/>
+            </a:endParaRPr>
+          </a:p>
+          <a:p>
+            <a:pPr algn="just"/>
             <a:r>
               <a:rPr lang="fr-FR" dirty="0">
                 <a:latin typeface="Montserrat" panose="00000500000000000000" pitchFamily="2" charset="0"/>
               </a:rPr>
-              <a:t>Le calcul des dates au plus tôt se fait par rapport à la date au plus tôt la plus grande des prédécesseurs d’un sommet. Le calcul se fait en partant du point d’entrée (dont la date au plus tôt est 0).</a:t>
-            </a:r>
-          </a:p>
-          <a:p>
-            <a:pPr algn="just"/>
-            <a:endParaRPr lang="fr-FR" dirty="0">
-              <a:latin typeface="Montserrat" panose="00000500000000000000" pitchFamily="2" charset="0"/>
-            </a:endParaRPr>
-          </a:p>
-          <a:p>
-            <a:pPr algn="just"/>
-            <a:endParaRPr lang="fr-FR" dirty="0">
-              <a:latin typeface="Montserrat" panose="00000500000000000000" pitchFamily="2" charset="0"/>
-            </a:endParaRPr>
-          </a:p>
-          <a:p>
-            <a:pPr algn="just"/>
-            <a:endParaRPr lang="fr-FR" dirty="0">
-              <a:latin typeface="Montserrat" panose="00000500000000000000" pitchFamily="2" charset="0"/>
-            </a:endParaRPr>
-          </a:p>
-          <a:p>
-            <a:pPr algn="just"/>
-            <a:r>
-              <a:rPr lang="fr-FR" dirty="0">
-                <a:latin typeface="Montserrat" panose="00000500000000000000" pitchFamily="2" charset="0"/>
-              </a:rPr>
-              <a:t> 					</a:t>
-            </a:r>
-          </a:p>
-          <a:p>
-            <a:pPr algn="just"/>
-            <a:endParaRPr lang="fr-FR" dirty="0">
-              <a:latin typeface="Montserrat" panose="00000500000000000000" pitchFamily="2" charset="0"/>
-            </a:endParaRPr>
-          </a:p>
-          <a:p>
-            <a:pPr lvl="8" algn="just"/>
-            <a:endParaRPr lang="fr-FR" dirty="0"/>
-          </a:p>
-          <a:p>
-            <a:pPr lvl="1" algn="just"/>
-            <a:r>
-              <a:rPr lang="fr-FR" dirty="0"/>
-              <a:t>				</a:t>
-            </a:r>
-            <a:r>
-              <a:rPr lang="fr-FR" dirty="0">
-                <a:latin typeface="Montserrat" panose="00000500000000000000" pitchFamily="2" charset="0"/>
-              </a:rPr>
-              <a:t>      </a:t>
-            </a:r>
-          </a:p>
-          <a:p>
-            <a:pPr lvl="1" algn="just"/>
-            <a:endParaRPr lang="fr-FR" dirty="0">
-              <a:latin typeface="Montserrat" panose="00000500000000000000" pitchFamily="2" charset="0"/>
-            </a:endParaRPr>
-          </a:p>
-          <a:p>
-            <a:pPr lvl="1" algn="just"/>
-            <a:endParaRPr lang="fr-FR" dirty="0">
-              <a:latin typeface="Montserrat" panose="00000500000000000000" pitchFamily="2" charset="0"/>
-            </a:endParaRPr>
-          </a:p>
-          <a:p>
-            <a:pPr lvl="1" algn="just"/>
-            <a:endParaRPr lang="fr-FR" dirty="0">
-              <a:latin typeface="Montserrat" panose="00000500000000000000" pitchFamily="2" charset="0"/>
-            </a:endParaRPr>
-          </a:p>
-          <a:p>
-            <a:pPr lvl="1" algn="just"/>
-            <a:r>
-              <a:rPr lang="fr-FR" dirty="0">
-                <a:latin typeface="Montserrat" panose="00000500000000000000" pitchFamily="2" charset="0"/>
-              </a:rPr>
-              <a:t>				   </a:t>
-            </a:r>
-            <a:r>
-              <a:rPr lang="fr-FR" sz="3000" dirty="0">
-                <a:latin typeface="Montserrat" panose="00000500000000000000" pitchFamily="2" charset="0"/>
-              </a:rPr>
-              <a:t>Exemple pour le graphe 4</a:t>
-            </a:r>
-            <a:endParaRPr lang="fr-FR" sz="3000" dirty="0"/>
-          </a:p>
-          <a:p>
-            <a:pPr algn="just"/>
-            <a:r>
-              <a:rPr lang="fr-FR" dirty="0">
-                <a:latin typeface="Montserrat" panose="00000500000000000000" pitchFamily="2" charset="0"/>
-              </a:rPr>
-              <a:t>	</a:t>
+              <a:t>Le calcul se fait en partant du point d’entrée (dont la date au plus tôt est 0) et par ordre croissant du rang.			</a:t>
             </a:r>
             <a:endParaRPr lang="fr-FR" sz="4200" dirty="0">
               <a:latin typeface="Montserrat" panose="00000500000000000000" pitchFamily="2" charset="0"/>
@@ -3285,10 +3829,10 @@
       </p:sp>
       <p:pic>
         <p:nvPicPr>
-          <p:cNvPr id="4" name="Image 3">
-            <a:extLst>
-              <a:ext uri="{FF2B5EF4-FFF2-40B4-BE49-F238E27FC236}">
-                <a16:creationId xmlns:a16="http://schemas.microsoft.com/office/drawing/2014/main" id="{AB8F6164-3717-4C2F-B368-19496979F6BD}"/>
+          <p:cNvPr id="6" name="Image 5">
+            <a:extLst>
+              <a:ext uri="{FF2B5EF4-FFF2-40B4-BE49-F238E27FC236}">
+                <a16:creationId xmlns:a16="http://schemas.microsoft.com/office/drawing/2014/main" id="{FC063811-AF74-448F-BFE2-6FE9D3E3E94C}"/>
               </a:ext>
             </a:extLst>
           </p:cNvPr>
@@ -3305,14 +3849,65 @@
         </p:blipFill>
         <p:spPr>
           <a:xfrm>
-            <a:off x="2375271" y="6858000"/>
-            <a:ext cx="6099987" cy="5688480"/>
+            <a:off x="17304038" y="4283223"/>
+            <a:ext cx="5903819" cy="1562100"/>
           </a:xfrm>
           <a:prstGeom prst="rect">
             <a:avLst/>
           </a:prstGeom>
         </p:spPr>
       </p:pic>
+      <p:sp>
+        <p:nvSpPr>
+          <p:cNvPr id="8" name="ZoneTexte 7">
+            <a:extLst>
+              <a:ext uri="{FF2B5EF4-FFF2-40B4-BE49-F238E27FC236}">
+                <a16:creationId xmlns:a16="http://schemas.microsoft.com/office/drawing/2014/main" id="{F417EAFD-794E-4BC9-B4E1-140FEDB4533D}"/>
+              </a:ext>
+            </a:extLst>
+          </p:cNvPr>
+          <p:cNvSpPr txBox="1"/>
+          <p:nvPr/>
+        </p:nvSpPr>
+        <p:spPr>
+          <a:xfrm>
+            <a:off x="17031472" y="5903893"/>
+            <a:ext cx="6448952" cy="954107"/>
+          </a:xfrm>
+          <a:prstGeom prst="rect">
+            <a:avLst/>
+          </a:prstGeom>
+          <a:noFill/>
+        </p:spPr>
+        <p:txBody>
+          <a:bodyPr wrap="square" rtlCol="0">
+            <a:spAutoFit/>
+          </a:bodyPr>
+          <a:lstStyle/>
+          <a:p>
+            <a:pPr algn="ctr"/>
+            <a:r>
+              <a:rPr lang="fr-FR" sz="2800" i="1" dirty="0">
+                <a:latin typeface="Open Sans" panose="020B0606030504020204" pitchFamily="34" charset="0"/>
+                <a:ea typeface="Open Sans" panose="020B0606030504020204" pitchFamily="34" charset="0"/>
+                <a:cs typeface="Open Sans" panose="020B0606030504020204" pitchFamily="34" charset="0"/>
+              </a:rPr>
+              <a:t>Figure 1 : Exemple pour le sommet  9</a:t>
+            </a:r>
+          </a:p>
+          <a:p>
+            <a:pPr algn="ctr"/>
+            <a:r>
+              <a:rPr lang="fr-FR" sz="2800" i="1" dirty="0">
+                <a:latin typeface="Open Sans" panose="020B0606030504020204" pitchFamily="34" charset="0"/>
+                <a:ea typeface="Open Sans" panose="020B0606030504020204" pitchFamily="34" charset="0"/>
+                <a:cs typeface="Open Sans" panose="020B0606030504020204" pitchFamily="34" charset="0"/>
+              </a:rPr>
+              <a:t>du graphe 11</a:t>
+            </a:r>
+          </a:p>
+        </p:txBody>
+      </p:sp>
     </p:spTree>
     <p:extLst>
       <p:ext uri="{BB962C8B-B14F-4D97-AF65-F5344CB8AC3E}">
@@ -3345,10 +3940,10 @@
       </p:grpSpPr>
       <p:sp>
         <p:nvSpPr>
-          <p:cNvPr id="2" name="ZoneTexte 1">
-            <a:extLst>
-              <a:ext uri="{FF2B5EF4-FFF2-40B4-BE49-F238E27FC236}">
-                <a16:creationId xmlns:a16="http://schemas.microsoft.com/office/drawing/2014/main" id="{536CE0D5-47AC-484A-A05B-416C49C244C2}"/>
+          <p:cNvPr id="3" name="ZoneTexte 2">
+            <a:extLst>
+              <a:ext uri="{FF2B5EF4-FFF2-40B4-BE49-F238E27FC236}">
+                <a16:creationId xmlns:a16="http://schemas.microsoft.com/office/drawing/2014/main" id="{168B7E97-4894-436F-9382-6A92F4014357}"/>
               </a:ext>
             </a:extLst>
           </p:cNvPr>
@@ -3382,10 +3977,66 @@
       </p:sp>
       <p:sp>
         <p:nvSpPr>
-          <p:cNvPr id="3" name="ZoneTexte 2">
-            <a:extLst>
-              <a:ext uri="{FF2B5EF4-FFF2-40B4-BE49-F238E27FC236}">
-                <a16:creationId xmlns:a16="http://schemas.microsoft.com/office/drawing/2014/main" id="{1821A6BC-3EAE-47C5-86EC-2C4075E9138A}"/>
+          <p:cNvPr id="4" name="Oval 58">
+            <a:extLst>
+              <a:ext uri="{FF2B5EF4-FFF2-40B4-BE49-F238E27FC236}">
+                <a16:creationId xmlns:a16="http://schemas.microsoft.com/office/drawing/2014/main" id="{B07BAEF7-F2F1-4129-850F-39566CB7AE7B}"/>
+              </a:ext>
+            </a:extLst>
+          </p:cNvPr>
+          <p:cNvSpPr/>
+          <p:nvPr/>
+        </p:nvSpPr>
+        <p:spPr>
+          <a:xfrm>
+            <a:off x="1673229" y="3765604"/>
+            <a:ext cx="1074332" cy="1074611"/>
+          </a:xfrm>
+          <a:prstGeom prst="ellipse">
+            <a:avLst/>
+          </a:prstGeom>
+          <a:noFill/>
+          <a:ln w="28575">
+            <a:solidFill>
+              <a:schemeClr val="tx1"/>
+            </a:solidFill>
+          </a:ln>
+        </p:spPr>
+        <p:style>
+          <a:lnRef idx="2">
+            <a:schemeClr val="accent1">
+              <a:shade val="50000"/>
+            </a:schemeClr>
+          </a:lnRef>
+          <a:fillRef idx="1">
+            <a:schemeClr val="accent1"/>
+          </a:fillRef>
+          <a:effectRef idx="0">
+            <a:schemeClr val="accent1"/>
+          </a:effectRef>
+          <a:fontRef idx="minor">
+            <a:schemeClr val="lt1"/>
+          </a:fontRef>
+        </p:style>
+        <p:txBody>
+          <a:bodyPr rtlCol="0" anchor="ctr"/>
+          <a:lstStyle/>
+          <a:p>
+            <a:pPr algn="ctr"/>
+            <a:endParaRPr lang="en-US" sz="2900" dirty="0">
+              <a:latin typeface="Montserrat Light" charset="0"/>
+              <a:ea typeface="Montserrat Light" charset="0"/>
+              <a:cs typeface="Montserrat Light" charset="0"/>
+            </a:endParaRPr>
+          </a:p>
+        </p:txBody>
+      </p:sp>
+      <p:sp>
+        <p:nvSpPr>
+          <p:cNvPr id="5" name="ZoneTexte 4">
+            <a:extLst>
+              <a:ext uri="{FF2B5EF4-FFF2-40B4-BE49-F238E27FC236}">
+                <a16:creationId xmlns:a16="http://schemas.microsoft.com/office/drawing/2014/main" id="{F680C0E6-F5ED-46B1-BB6D-14E0E90DF401}"/>
               </a:ext>
             </a:extLst>
           </p:cNvPr>
@@ -3394,8 +4045,8 @@
         </p:nvSpPr>
         <p:spPr>
           <a:xfrm>
-            <a:off x="2375271" y="2523612"/>
-            <a:ext cx="15139006" cy="10802957"/>
+            <a:off x="1827648" y="3856634"/>
+            <a:ext cx="765494" cy="892552"/>
           </a:xfrm>
           <a:prstGeom prst="rect">
             <a:avLst/>
@@ -3408,64 +4059,512 @@
           </a:bodyPr>
           <a:lstStyle/>
           <a:p>
+            <a:pPr algn="ctr"/>
+            <a:r>
+              <a:rPr lang="fr-FR" sz="5200" b="1" dirty="0">
+                <a:latin typeface="Montserrat" panose="00000500000000000000" pitchFamily="2" charset="0"/>
+              </a:rPr>
+              <a:t>1</a:t>
+            </a:r>
+          </a:p>
+        </p:txBody>
+      </p:sp>
+      <p:sp>
+        <p:nvSpPr>
+          <p:cNvPr id="6" name="ZoneTexte 5">
+            <a:extLst>
+              <a:ext uri="{FF2B5EF4-FFF2-40B4-BE49-F238E27FC236}">
+                <a16:creationId xmlns:a16="http://schemas.microsoft.com/office/drawing/2014/main" id="{110C598B-31D9-45EA-92EE-E3CCB76B189C}"/>
+              </a:ext>
+            </a:extLst>
+          </p:cNvPr>
+          <p:cNvSpPr txBox="1"/>
+          <p:nvPr/>
+        </p:nvSpPr>
+        <p:spPr>
+          <a:xfrm>
+            <a:off x="3813175" y="3702744"/>
+            <a:ext cx="7456472" cy="1200329"/>
+          </a:xfrm>
+          <a:prstGeom prst="rect">
+            <a:avLst/>
+          </a:prstGeom>
+          <a:noFill/>
+        </p:spPr>
+        <p:txBody>
+          <a:bodyPr wrap="square" rtlCol="0">
+            <a:spAutoFit/>
+          </a:bodyPr>
+          <a:lstStyle/>
+          <a:p>
+            <a:r>
+              <a:rPr lang="fr-FR" dirty="0">
+                <a:latin typeface="Open Sans" panose="020B0606030504020204" pitchFamily="34" charset="0"/>
+                <a:ea typeface="Open Sans" panose="020B0606030504020204" pitchFamily="34" charset="0"/>
+                <a:cs typeface="Open Sans" panose="020B0606030504020204" pitchFamily="34" charset="0"/>
+              </a:rPr>
+              <a:t>Récupération de la liste des prédécesseurs</a:t>
+            </a:r>
+          </a:p>
+        </p:txBody>
+      </p:sp>
+      <p:pic>
+        <p:nvPicPr>
+          <p:cNvPr id="7" name="Image 6">
+            <a:extLst>
+              <a:ext uri="{FF2B5EF4-FFF2-40B4-BE49-F238E27FC236}">
+                <a16:creationId xmlns:a16="http://schemas.microsoft.com/office/drawing/2014/main" id="{0B2C8889-337D-492E-A6D3-4A889B2B4B28}"/>
+              </a:ext>
+            </a:extLst>
+          </p:cNvPr>
+          <p:cNvPicPr>
+            <a:picLocks noChangeAspect="1"/>
+          </p:cNvPicPr>
+          <p:nvPr/>
+        </p:nvPicPr>
+        <p:blipFill>
+          <a:blip r:embed="rId2"/>
+          <a:stretch>
+            <a:fillRect/>
+          </a:stretch>
+        </p:blipFill>
+        <p:spPr>
+          <a:xfrm>
+            <a:off x="14122399" y="3226583"/>
+            <a:ext cx="7698714" cy="2152650"/>
+          </a:xfrm>
+          <a:prstGeom prst="rect">
+            <a:avLst/>
+          </a:prstGeom>
+        </p:spPr>
+      </p:pic>
+      <p:sp>
+        <p:nvSpPr>
+          <p:cNvPr id="8" name="Oval 58">
+            <a:extLst>
+              <a:ext uri="{FF2B5EF4-FFF2-40B4-BE49-F238E27FC236}">
+                <a16:creationId xmlns:a16="http://schemas.microsoft.com/office/drawing/2014/main" id="{C7DDF454-155F-4E61-AFEC-FEA3F830D8B6}"/>
+              </a:ext>
+            </a:extLst>
+          </p:cNvPr>
+          <p:cNvSpPr/>
+          <p:nvPr/>
+        </p:nvSpPr>
+        <p:spPr>
+          <a:xfrm>
+            <a:off x="1653792" y="6920860"/>
+            <a:ext cx="1074332" cy="1074611"/>
+          </a:xfrm>
+          <a:prstGeom prst="ellipse">
+            <a:avLst/>
+          </a:prstGeom>
+          <a:noFill/>
+          <a:ln w="28575">
+            <a:solidFill>
+              <a:schemeClr val="tx1"/>
+            </a:solidFill>
+          </a:ln>
+        </p:spPr>
+        <p:style>
+          <a:lnRef idx="2">
+            <a:schemeClr val="accent1">
+              <a:shade val="50000"/>
+            </a:schemeClr>
+          </a:lnRef>
+          <a:fillRef idx="1">
+            <a:schemeClr val="accent1"/>
+          </a:fillRef>
+          <a:effectRef idx="0">
+            <a:schemeClr val="accent1"/>
+          </a:effectRef>
+          <a:fontRef idx="minor">
+            <a:schemeClr val="lt1"/>
+          </a:fontRef>
+        </p:style>
+        <p:txBody>
+          <a:bodyPr rtlCol="0" anchor="ctr"/>
+          <a:lstStyle/>
+          <a:p>
+            <a:pPr algn="ctr"/>
+            <a:endParaRPr lang="en-US" sz="2900" dirty="0">
+              <a:latin typeface="Montserrat Light" charset="0"/>
+              <a:ea typeface="Montserrat Light" charset="0"/>
+              <a:cs typeface="Montserrat Light" charset="0"/>
+            </a:endParaRPr>
+          </a:p>
+        </p:txBody>
+      </p:sp>
+      <p:sp>
+        <p:nvSpPr>
+          <p:cNvPr id="9" name="ZoneTexte 8">
+            <a:extLst>
+              <a:ext uri="{FF2B5EF4-FFF2-40B4-BE49-F238E27FC236}">
+                <a16:creationId xmlns:a16="http://schemas.microsoft.com/office/drawing/2014/main" id="{F4424929-5651-49E7-8B2F-63484DFC02E3}"/>
+              </a:ext>
+            </a:extLst>
+          </p:cNvPr>
+          <p:cNvSpPr txBox="1"/>
+          <p:nvPr/>
+        </p:nvSpPr>
+        <p:spPr>
+          <a:xfrm>
+            <a:off x="3813175" y="6921039"/>
+            <a:ext cx="7456472" cy="1200329"/>
+          </a:xfrm>
+          <a:prstGeom prst="rect">
+            <a:avLst/>
+          </a:prstGeom>
+          <a:noFill/>
+        </p:spPr>
+        <p:txBody>
+          <a:bodyPr wrap="square" rtlCol="0">
+            <a:spAutoFit/>
+          </a:bodyPr>
+          <a:lstStyle/>
+          <a:p>
+            <a:r>
+              <a:rPr lang="fr-FR" dirty="0">
+                <a:latin typeface="Open Sans" panose="020B0606030504020204" pitchFamily="34" charset="0"/>
+                <a:ea typeface="Open Sans" panose="020B0606030504020204" pitchFamily="34" charset="0"/>
+                <a:cs typeface="Open Sans" panose="020B0606030504020204" pitchFamily="34" charset="0"/>
+              </a:rPr>
+              <a:t>Récupération de la tâche de chaque prédécesseurs</a:t>
+            </a:r>
+          </a:p>
+        </p:txBody>
+      </p:sp>
+      <p:sp>
+        <p:nvSpPr>
+          <p:cNvPr id="10" name="ZoneTexte 9">
+            <a:extLst>
+              <a:ext uri="{FF2B5EF4-FFF2-40B4-BE49-F238E27FC236}">
+                <a16:creationId xmlns:a16="http://schemas.microsoft.com/office/drawing/2014/main" id="{D7B59304-604B-48E2-BDA1-4BACBADAC7DD}"/>
+              </a:ext>
+            </a:extLst>
+          </p:cNvPr>
+          <p:cNvSpPr txBox="1"/>
+          <p:nvPr/>
+        </p:nvSpPr>
+        <p:spPr>
+          <a:xfrm>
+            <a:off x="1808211" y="7011888"/>
+            <a:ext cx="765494" cy="892552"/>
+          </a:xfrm>
+          <a:prstGeom prst="rect">
+            <a:avLst/>
+          </a:prstGeom>
+          <a:noFill/>
+        </p:spPr>
+        <p:txBody>
+          <a:bodyPr wrap="square" rtlCol="0">
+            <a:spAutoFit/>
+          </a:bodyPr>
+          <a:lstStyle/>
+          <a:p>
+            <a:pPr algn="ctr"/>
+            <a:r>
+              <a:rPr lang="fr-FR" sz="5200" b="1" dirty="0">
+                <a:latin typeface="Montserrat" panose="00000500000000000000" pitchFamily="2" charset="0"/>
+              </a:rPr>
+              <a:t>2</a:t>
+            </a:r>
+          </a:p>
+        </p:txBody>
+      </p:sp>
+      <p:pic>
+        <p:nvPicPr>
+          <p:cNvPr id="11" name="Image 10">
+            <a:extLst>
+              <a:ext uri="{FF2B5EF4-FFF2-40B4-BE49-F238E27FC236}">
+                <a16:creationId xmlns:a16="http://schemas.microsoft.com/office/drawing/2014/main" id="{DE7832F5-F3E9-4ADA-B25B-561F8660DB19}"/>
+              </a:ext>
+            </a:extLst>
+          </p:cNvPr>
+          <p:cNvPicPr>
+            <a:picLocks noChangeAspect="1"/>
+          </p:cNvPicPr>
+          <p:nvPr/>
+        </p:nvPicPr>
+        <p:blipFill>
+          <a:blip r:embed="rId3"/>
+          <a:stretch>
+            <a:fillRect/>
+          </a:stretch>
+        </p:blipFill>
+        <p:spPr>
+          <a:xfrm>
+            <a:off x="12860910" y="6730156"/>
+            <a:ext cx="9718054" cy="1456015"/>
+          </a:xfrm>
+          <a:prstGeom prst="rect">
+            <a:avLst/>
+          </a:prstGeom>
+        </p:spPr>
+      </p:pic>
+      <p:sp>
+        <p:nvSpPr>
+          <p:cNvPr id="13" name="Oval 58">
+            <a:extLst>
+              <a:ext uri="{FF2B5EF4-FFF2-40B4-BE49-F238E27FC236}">
+                <a16:creationId xmlns:a16="http://schemas.microsoft.com/office/drawing/2014/main" id="{E4E2DA26-AC9E-4058-9D87-0D410C6E667B}"/>
+              </a:ext>
+            </a:extLst>
+          </p:cNvPr>
+          <p:cNvSpPr/>
+          <p:nvPr/>
+        </p:nvSpPr>
+        <p:spPr>
+          <a:xfrm>
+            <a:off x="1653792" y="10141180"/>
+            <a:ext cx="1074332" cy="1074611"/>
+          </a:xfrm>
+          <a:prstGeom prst="ellipse">
+            <a:avLst/>
+          </a:prstGeom>
+          <a:noFill/>
+          <a:ln w="28575">
+            <a:solidFill>
+              <a:schemeClr val="tx1"/>
+            </a:solidFill>
+          </a:ln>
+        </p:spPr>
+        <p:style>
+          <a:lnRef idx="2">
+            <a:schemeClr val="accent1">
+              <a:shade val="50000"/>
+            </a:schemeClr>
+          </a:lnRef>
+          <a:fillRef idx="1">
+            <a:schemeClr val="accent1"/>
+          </a:fillRef>
+          <a:effectRef idx="0">
+            <a:schemeClr val="accent1"/>
+          </a:effectRef>
+          <a:fontRef idx="minor">
+            <a:schemeClr val="lt1"/>
+          </a:fontRef>
+        </p:style>
+        <p:txBody>
+          <a:bodyPr rtlCol="0" anchor="ctr"/>
+          <a:lstStyle/>
+          <a:p>
+            <a:pPr algn="ctr"/>
+            <a:endParaRPr lang="en-US" sz="2900" dirty="0">
+              <a:latin typeface="Montserrat Light" charset="0"/>
+              <a:ea typeface="Montserrat Light" charset="0"/>
+              <a:cs typeface="Montserrat Light" charset="0"/>
+            </a:endParaRPr>
+          </a:p>
+        </p:txBody>
+      </p:sp>
+      <p:sp>
+        <p:nvSpPr>
+          <p:cNvPr id="14" name="ZoneTexte 13">
+            <a:extLst>
+              <a:ext uri="{FF2B5EF4-FFF2-40B4-BE49-F238E27FC236}">
+                <a16:creationId xmlns:a16="http://schemas.microsoft.com/office/drawing/2014/main" id="{AA25CED6-68EE-4376-90A9-33B9E7C3139A}"/>
+              </a:ext>
+            </a:extLst>
+          </p:cNvPr>
+          <p:cNvSpPr txBox="1"/>
+          <p:nvPr/>
+        </p:nvSpPr>
+        <p:spPr>
+          <a:xfrm>
+            <a:off x="3813175" y="10256648"/>
+            <a:ext cx="7456472" cy="646331"/>
+          </a:xfrm>
+          <a:prstGeom prst="rect">
+            <a:avLst/>
+          </a:prstGeom>
+          <a:noFill/>
+        </p:spPr>
+        <p:txBody>
+          <a:bodyPr wrap="square" rtlCol="0">
+            <a:spAutoFit/>
+          </a:bodyPr>
+          <a:lstStyle/>
+          <a:p>
+            <a:r>
+              <a:rPr lang="fr-FR" dirty="0">
+                <a:latin typeface="Open Sans" panose="020B0606030504020204" pitchFamily="34" charset="0"/>
+                <a:ea typeface="Open Sans" panose="020B0606030504020204" pitchFamily="34" charset="0"/>
+                <a:cs typeface="Open Sans" panose="020B0606030504020204" pitchFamily="34" charset="0"/>
+              </a:rPr>
+              <a:t>Calcul de la date au plus tôt</a:t>
+            </a:r>
+          </a:p>
+        </p:txBody>
+      </p:sp>
+      <p:sp>
+        <p:nvSpPr>
+          <p:cNvPr id="15" name="ZoneTexte 14">
+            <a:extLst>
+              <a:ext uri="{FF2B5EF4-FFF2-40B4-BE49-F238E27FC236}">
+                <a16:creationId xmlns:a16="http://schemas.microsoft.com/office/drawing/2014/main" id="{562304AB-0373-4B45-9908-C982A42E31E3}"/>
+              </a:ext>
+            </a:extLst>
+          </p:cNvPr>
+          <p:cNvSpPr txBox="1"/>
+          <p:nvPr/>
+        </p:nvSpPr>
+        <p:spPr>
+          <a:xfrm>
+            <a:off x="1808211" y="10232208"/>
+            <a:ext cx="765494" cy="892552"/>
+          </a:xfrm>
+          <a:prstGeom prst="rect">
+            <a:avLst/>
+          </a:prstGeom>
+          <a:noFill/>
+        </p:spPr>
+        <p:txBody>
+          <a:bodyPr wrap="square" rtlCol="0">
+            <a:spAutoFit/>
+          </a:bodyPr>
+          <a:lstStyle/>
+          <a:p>
+            <a:pPr algn="ctr"/>
+            <a:r>
+              <a:rPr lang="fr-FR" sz="5200" b="1" dirty="0">
+                <a:latin typeface="Montserrat" panose="00000500000000000000" pitchFamily="2" charset="0"/>
+              </a:rPr>
+              <a:t>3</a:t>
+            </a:r>
+          </a:p>
+        </p:txBody>
+      </p:sp>
+      <p:pic>
+        <p:nvPicPr>
+          <p:cNvPr id="16" name="Image 15">
+            <a:extLst>
+              <a:ext uri="{FF2B5EF4-FFF2-40B4-BE49-F238E27FC236}">
+                <a16:creationId xmlns:a16="http://schemas.microsoft.com/office/drawing/2014/main" id="{EF0B0F2F-B255-4B97-A43D-B822435F2791}"/>
+              </a:ext>
+            </a:extLst>
+          </p:cNvPr>
+          <p:cNvPicPr>
+            <a:picLocks noChangeAspect="1"/>
+          </p:cNvPicPr>
+          <p:nvPr/>
+        </p:nvPicPr>
+        <p:blipFill>
+          <a:blip r:embed="rId4"/>
+          <a:stretch>
+            <a:fillRect/>
+          </a:stretch>
+        </p:blipFill>
+        <p:spPr>
+          <a:xfrm>
+            <a:off x="12139642" y="8928265"/>
+            <a:ext cx="11160589" cy="3500438"/>
+          </a:xfrm>
+          <a:prstGeom prst="rect">
+            <a:avLst/>
+          </a:prstGeom>
+        </p:spPr>
+      </p:pic>
+    </p:spTree>
+    <p:extLst>
+      <p:ext uri="{BB962C8B-B14F-4D97-AF65-F5344CB8AC3E}">
+        <p14:creationId xmlns:p14="http://schemas.microsoft.com/office/powerpoint/2010/main" val="3789154728"/>
+      </p:ext>
+    </p:extLst>
+  </p:cSld>
+  <p:clrMapOvr>
+    <a:masterClrMapping/>
+  </p:clrMapOvr>
+</p:sld>
+</file>
+
+<file path=ppt/slides/slide9.xml><?xml version="1.0" encoding="utf-8"?>
+<p:sld xmlns:a="http://schemas.openxmlformats.org/drawingml/2006/main" xmlns:r="http://schemas.openxmlformats.org/officeDocument/2006/relationships" xmlns:p="http://schemas.openxmlformats.org/presentationml/2006/main">
+  <p:cSld>
+    <p:spTree>
+      <p:nvGrpSpPr>
+        <p:cNvPr id="1" name=""/>
+        <p:cNvGrpSpPr/>
+        <p:nvPr/>
+      </p:nvGrpSpPr>
+      <p:grpSpPr>
+        <a:xfrm>
+          <a:off x="0" y="0"/>
+          <a:ext cx="0" cy="0"/>
+          <a:chOff x="0" y="0"/>
+          <a:chExt cx="0" cy="0"/>
+        </a:xfrm>
+      </p:grpSpPr>
+      <p:sp>
+        <p:nvSpPr>
+          <p:cNvPr id="2" name="ZoneTexte 1">
+            <a:extLst>
+              <a:ext uri="{FF2B5EF4-FFF2-40B4-BE49-F238E27FC236}">
+                <a16:creationId xmlns:a16="http://schemas.microsoft.com/office/drawing/2014/main" id="{536CE0D5-47AC-484A-A05B-416C49C244C2}"/>
+              </a:ext>
+            </a:extLst>
+          </p:cNvPr>
+          <p:cNvSpPr txBox="1"/>
+          <p:nvPr/>
+        </p:nvSpPr>
+        <p:spPr>
+          <a:xfrm>
+            <a:off x="2375271" y="1113184"/>
+            <a:ext cx="17880677" cy="1046440"/>
+          </a:xfrm>
+          <a:prstGeom prst="rect">
+            <a:avLst/>
+          </a:prstGeom>
+          <a:noFill/>
+        </p:spPr>
+        <p:txBody>
+          <a:bodyPr wrap="square" rtlCol="0">
+            <a:spAutoFit/>
+          </a:bodyPr>
+          <a:lstStyle/>
+          <a:p>
+            <a:r>
+              <a:rPr lang="fr-FR" sz="6200" b="1" dirty="0">
+                <a:latin typeface="Montserrat" panose="00000500000000000000" pitchFamily="2" charset="0"/>
+              </a:rPr>
+              <a:t>V : Méthode de l’ordonnancement</a:t>
+            </a:r>
+          </a:p>
+        </p:txBody>
+      </p:sp>
+      <p:sp>
+        <p:nvSpPr>
+          <p:cNvPr id="3" name="ZoneTexte 2">
+            <a:extLst>
+              <a:ext uri="{FF2B5EF4-FFF2-40B4-BE49-F238E27FC236}">
+                <a16:creationId xmlns:a16="http://schemas.microsoft.com/office/drawing/2014/main" id="{1821A6BC-3EAE-47C5-86EC-2C4075E9138A}"/>
+              </a:ext>
+            </a:extLst>
+          </p:cNvPr>
+          <p:cNvSpPr txBox="1"/>
+          <p:nvPr/>
+        </p:nvSpPr>
+        <p:spPr>
+          <a:xfrm>
+            <a:off x="2375271" y="2523612"/>
+            <a:ext cx="14636379" cy="9694962"/>
+          </a:xfrm>
+          <a:prstGeom prst="rect">
+            <a:avLst/>
+          </a:prstGeom>
+          <a:noFill/>
+        </p:spPr>
+        <p:txBody>
+          <a:bodyPr wrap="square" rtlCol="0">
+            <a:spAutoFit/>
+          </a:bodyPr>
+          <a:lstStyle/>
+          <a:p>
             <a:pPr algn="just"/>
             <a:r>
               <a:rPr lang="fr-FR" dirty="0">
                 <a:latin typeface="Montserrat" panose="00000500000000000000" pitchFamily="2" charset="0"/>
               </a:rPr>
-              <a:t>	Le calcul des dates au plus tard se fait par rapport à la date au plus tard la plus courte des successeurs. Le calcul se fait en partant de la sortie. La date au plus tard de la sortie est la date au plus tôt de ce même sommet.</a:t>
-            </a:r>
-          </a:p>
-          <a:p>
-            <a:pPr lvl="1" algn="just"/>
-            <a:endParaRPr lang="fr-FR" dirty="0"/>
-          </a:p>
-          <a:p>
-            <a:pPr lvl="1" algn="just"/>
-            <a:endParaRPr lang="fr-FR" dirty="0"/>
-          </a:p>
-          <a:p>
-            <a:pPr lvl="1" algn="just"/>
-            <a:endParaRPr lang="fr-FR" dirty="0"/>
-          </a:p>
-          <a:p>
-            <a:pPr lvl="1" algn="just"/>
-            <a:endParaRPr lang="fr-FR" dirty="0"/>
-          </a:p>
-          <a:p>
-            <a:pPr lvl="1" algn="just"/>
-            <a:endParaRPr lang="fr-FR" dirty="0"/>
-          </a:p>
-          <a:p>
-            <a:pPr lvl="1" algn="just"/>
-            <a:endParaRPr lang="fr-FR" dirty="0"/>
-          </a:p>
-          <a:p>
-            <a:pPr lvl="1" algn="just"/>
-            <a:endParaRPr lang="fr-FR" dirty="0"/>
-          </a:p>
-          <a:p>
-            <a:pPr lvl="1" algn="just"/>
-            <a:endParaRPr lang="fr-FR" dirty="0"/>
-          </a:p>
-          <a:p>
-            <a:pPr lvl="1" algn="just"/>
-            <a:r>
-              <a:rPr lang="fr-FR" dirty="0"/>
-              <a:t>				</a:t>
-            </a:r>
-            <a:r>
-              <a:rPr lang="fr-FR" sz="3000" dirty="0"/>
-              <a:t>Exemple avec le graphe 4</a:t>
-            </a:r>
-          </a:p>
-          <a:p>
-            <a:pPr algn="just"/>
-            <a:r>
-              <a:rPr lang="fr-FR" dirty="0">
-                <a:latin typeface="Montserrat" panose="00000500000000000000" pitchFamily="2" charset="0"/>
-              </a:rPr>
-              <a:t>	</a:t>
+              <a:t>Pour chaque sommet, on calcul la date au plus tard :</a:t>
             </a:r>
           </a:p>
           <a:p>
@@ -3476,6 +4575,78 @@
           </a:p>
           <a:p>
             <a:pPr algn="just"/>
+            <a:r>
+              <a:rPr lang="fr-FR" dirty="0">
+                <a:latin typeface="Montserrat" panose="00000500000000000000" pitchFamily="2" charset="0"/>
+              </a:rPr>
+              <a:t>	- Date au plus tard = </a:t>
+            </a:r>
+          </a:p>
+          <a:p>
+            <a:pPr algn="just"/>
+            <a:r>
+              <a:rPr lang="fr-FR" dirty="0">
+                <a:latin typeface="Montserrat" panose="00000500000000000000" pitchFamily="2" charset="0"/>
+              </a:rPr>
+              <a:t>		Date au plus tard du successeur</a:t>
+            </a:r>
+          </a:p>
+          <a:p>
+            <a:pPr algn="just"/>
+            <a:r>
+              <a:rPr lang="fr-FR" dirty="0">
+                <a:latin typeface="Montserrat" panose="00000500000000000000" pitchFamily="2" charset="0"/>
+              </a:rPr>
+              <a:t>		- valeur de la tache du sommet</a:t>
+            </a:r>
+          </a:p>
+          <a:p>
+            <a:pPr algn="just"/>
+            <a:r>
+              <a:rPr lang="fr-FR" dirty="0">
+                <a:latin typeface="Montserrat" panose="00000500000000000000" pitchFamily="2" charset="0"/>
+              </a:rPr>
+              <a:t>	- Date au plus tard retenue =</a:t>
+            </a:r>
+          </a:p>
+          <a:p>
+            <a:pPr algn="just"/>
+            <a:r>
+              <a:rPr lang="fr-FR" dirty="0">
+                <a:latin typeface="Montserrat" panose="00000500000000000000" pitchFamily="2" charset="0"/>
+              </a:rPr>
+              <a:t>		Date au plus tard la plus petite parmi toutes </a:t>
+            </a:r>
+          </a:p>
+          <a:p>
+            <a:pPr algn="just"/>
+            <a:r>
+              <a:rPr lang="fr-FR" dirty="0">
+                <a:latin typeface="Montserrat" panose="00000500000000000000" pitchFamily="2" charset="0"/>
+              </a:rPr>
+              <a:t>		les dates au plus tard calculées</a:t>
+            </a:r>
+          </a:p>
+          <a:p>
+            <a:pPr algn="just"/>
+            <a:r>
+              <a:rPr lang="fr-FR" dirty="0">
+                <a:latin typeface="Montserrat" panose="00000500000000000000" pitchFamily="2" charset="0"/>
+              </a:rPr>
+              <a:t>	</a:t>
+            </a:r>
+          </a:p>
+          <a:p>
+            <a:pPr algn="just"/>
+            <a:r>
+              <a:rPr lang="fr-FR" dirty="0">
+                <a:latin typeface="Montserrat" panose="00000500000000000000" pitchFamily="2" charset="0"/>
+              </a:rPr>
+              <a:t>Le calcul se fait en partant de la sortie puis par ordre décroissant du rang. </a:t>
+            </a:r>
+          </a:p>
+          <a:p>
+            <a:pPr algn="just"/>
             <a:endParaRPr lang="fr-FR" dirty="0">
               <a:latin typeface="Montserrat" panose="00000500000000000000" pitchFamily="2" charset="0"/>
             </a:endParaRPr>
@@ -3486,13 +4657,20 @@
               <a:rPr lang="fr-FR" dirty="0">
                 <a:latin typeface="Montserrat" panose="00000500000000000000" pitchFamily="2" charset="0"/>
               </a:rPr>
-              <a:t>	Le calcul des marges se fait en faisant la différence entre la date au plus tard et la date au plus tôt de </a:t>
-            </a:r>
-            <a:r>
-              <a:rPr lang="fr-FR">
+              <a:t>Date au plus tard sortie = date au plus tôt sortie</a:t>
+            </a:r>
+          </a:p>
+          <a:p>
+            <a:pPr algn="just"/>
+            <a:endParaRPr lang="fr-FR" dirty="0"/>
+          </a:p>
+          <a:p>
+            <a:pPr algn="just"/>
+            <a:r>
+              <a:rPr lang="fr-FR" dirty="0">
                 <a:latin typeface="Montserrat" panose="00000500000000000000" pitchFamily="2" charset="0"/>
               </a:rPr>
-              <a:t>chaque sommet.</a:t>
+              <a:t>Marge sommet i = Date au plus tard – date au plus tôt </a:t>
             </a:r>
             <a:endParaRPr lang="fr-FR" dirty="0"/>
           </a:p>
@@ -3515,10 +4693,10 @@
       </p:sp>
       <p:pic>
         <p:nvPicPr>
-          <p:cNvPr id="4" name="Image 3">
-            <a:extLst>
-              <a:ext uri="{FF2B5EF4-FFF2-40B4-BE49-F238E27FC236}">
-                <a16:creationId xmlns:a16="http://schemas.microsoft.com/office/drawing/2014/main" id="{06615847-B685-4DA2-80C3-D8C96F82AF6C}"/>
+          <p:cNvPr id="5" name="Image 4">
+            <a:extLst>
+              <a:ext uri="{FF2B5EF4-FFF2-40B4-BE49-F238E27FC236}">
+                <a16:creationId xmlns:a16="http://schemas.microsoft.com/office/drawing/2014/main" id="{66DAA051-29B0-451C-9A0D-582D083B3232}"/>
               </a:ext>
             </a:extLst>
           </p:cNvPr>
@@ -3535,14 +4713,65 @@
         </p:blipFill>
         <p:spPr>
           <a:xfrm>
-            <a:off x="2375271" y="4875701"/>
-            <a:ext cx="6792426" cy="5411299"/>
+            <a:off x="17532519" y="4313218"/>
+            <a:ext cx="5446857" cy="1590675"/>
           </a:xfrm>
           <a:prstGeom prst="rect">
             <a:avLst/>
           </a:prstGeom>
         </p:spPr>
       </p:pic>
+      <p:sp>
+        <p:nvSpPr>
+          <p:cNvPr id="7" name="ZoneTexte 6">
+            <a:extLst>
+              <a:ext uri="{FF2B5EF4-FFF2-40B4-BE49-F238E27FC236}">
+                <a16:creationId xmlns:a16="http://schemas.microsoft.com/office/drawing/2014/main" id="{4AA0E3F0-63A1-4001-B82E-E5B7996A7FD9}"/>
+              </a:ext>
+            </a:extLst>
+          </p:cNvPr>
+          <p:cNvSpPr txBox="1"/>
+          <p:nvPr/>
+        </p:nvSpPr>
+        <p:spPr>
+          <a:xfrm>
+            <a:off x="17031472" y="5903893"/>
+            <a:ext cx="6448952" cy="954107"/>
+          </a:xfrm>
+          <a:prstGeom prst="rect">
+            <a:avLst/>
+          </a:prstGeom>
+          <a:noFill/>
+        </p:spPr>
+        <p:txBody>
+          <a:bodyPr wrap="square" rtlCol="0">
+            <a:spAutoFit/>
+          </a:bodyPr>
+          <a:lstStyle/>
+          <a:p>
+            <a:pPr algn="ctr"/>
+            <a:r>
+              <a:rPr lang="fr-FR" sz="2800" i="1" dirty="0">
+                <a:latin typeface="Open Sans" panose="020B0606030504020204" pitchFamily="34" charset="0"/>
+                <a:ea typeface="Open Sans" panose="020B0606030504020204" pitchFamily="34" charset="0"/>
+                <a:cs typeface="Open Sans" panose="020B0606030504020204" pitchFamily="34" charset="0"/>
+              </a:rPr>
+              <a:t>Figure 1 : Exemple pour le sommet  7</a:t>
+            </a:r>
+          </a:p>
+          <a:p>
+            <a:pPr algn="ctr"/>
+            <a:r>
+              <a:rPr lang="fr-FR" sz="2800" i="1" dirty="0">
+                <a:latin typeface="Open Sans" panose="020B0606030504020204" pitchFamily="34" charset="0"/>
+                <a:ea typeface="Open Sans" panose="020B0606030504020204" pitchFamily="34" charset="0"/>
+                <a:cs typeface="Open Sans" panose="020B0606030504020204" pitchFamily="34" charset="0"/>
+              </a:rPr>
+              <a:t>du graphe 11</a:t>
+            </a:r>
+          </a:p>
+        </p:txBody>
+      </p:sp>
     </p:spTree>
     <p:extLst>
       <p:ext uri="{BB962C8B-B14F-4D97-AF65-F5344CB8AC3E}">
